--- a/Chapter7/Figures/Fig18.pptx
+++ b/Chapter7/Figures/Fig18.pptx
@@ -288,7 +288,7 @@
           <a:p>
             <a:fld id="{C8239D06-A124-415A-BDD1-3EA8F2C5CFB9}" type="datetimeFigureOut">
               <a:rPr lang="en-GB" smtClean="0"/>
-              <a:t>03/06/2014</a:t>
+              <a:t>15/02/2015</a:t>
             </a:fld>
             <a:endParaRPr lang="en-GB"/>
           </a:p>
@@ -458,7 +458,7 @@
           <a:p>
             <a:fld id="{C8239D06-A124-415A-BDD1-3EA8F2C5CFB9}" type="datetimeFigureOut">
               <a:rPr lang="en-GB" smtClean="0"/>
-              <a:t>03/06/2014</a:t>
+              <a:t>15/02/2015</a:t>
             </a:fld>
             <a:endParaRPr lang="en-GB"/>
           </a:p>
@@ -638,7 +638,7 @@
           <a:p>
             <a:fld id="{C8239D06-A124-415A-BDD1-3EA8F2C5CFB9}" type="datetimeFigureOut">
               <a:rPr lang="en-GB" smtClean="0"/>
-              <a:t>03/06/2014</a:t>
+              <a:t>15/02/2015</a:t>
             </a:fld>
             <a:endParaRPr lang="en-GB"/>
           </a:p>
@@ -808,7 +808,7 @@
           <a:p>
             <a:fld id="{C8239D06-A124-415A-BDD1-3EA8F2C5CFB9}" type="datetimeFigureOut">
               <a:rPr lang="en-GB" smtClean="0"/>
-              <a:t>03/06/2014</a:t>
+              <a:t>15/02/2015</a:t>
             </a:fld>
             <a:endParaRPr lang="en-GB"/>
           </a:p>
@@ -1054,7 +1054,7 @@
           <a:p>
             <a:fld id="{C8239D06-A124-415A-BDD1-3EA8F2C5CFB9}" type="datetimeFigureOut">
               <a:rPr lang="en-GB" smtClean="0"/>
-              <a:t>03/06/2014</a:t>
+              <a:t>15/02/2015</a:t>
             </a:fld>
             <a:endParaRPr lang="en-GB"/>
           </a:p>
@@ -1342,7 +1342,7 @@
           <a:p>
             <a:fld id="{C8239D06-A124-415A-BDD1-3EA8F2C5CFB9}" type="datetimeFigureOut">
               <a:rPr lang="en-GB" smtClean="0"/>
-              <a:t>03/06/2014</a:t>
+              <a:t>15/02/2015</a:t>
             </a:fld>
             <a:endParaRPr lang="en-GB"/>
           </a:p>
@@ -1764,7 +1764,7 @@
           <a:p>
             <a:fld id="{C8239D06-A124-415A-BDD1-3EA8F2C5CFB9}" type="datetimeFigureOut">
               <a:rPr lang="en-GB" smtClean="0"/>
-              <a:t>03/06/2014</a:t>
+              <a:t>15/02/2015</a:t>
             </a:fld>
             <a:endParaRPr lang="en-GB"/>
           </a:p>
@@ -1882,7 +1882,7 @@
           <a:p>
             <a:fld id="{C8239D06-A124-415A-BDD1-3EA8F2C5CFB9}" type="datetimeFigureOut">
               <a:rPr lang="en-GB" smtClean="0"/>
-              <a:t>03/06/2014</a:t>
+              <a:t>15/02/2015</a:t>
             </a:fld>
             <a:endParaRPr lang="en-GB"/>
           </a:p>
@@ -1977,7 +1977,7 @@
           <a:p>
             <a:fld id="{C8239D06-A124-415A-BDD1-3EA8F2C5CFB9}" type="datetimeFigureOut">
               <a:rPr lang="en-GB" smtClean="0"/>
-              <a:t>03/06/2014</a:t>
+              <a:t>15/02/2015</a:t>
             </a:fld>
             <a:endParaRPr lang="en-GB"/>
           </a:p>
@@ -2254,7 +2254,7 @@
           <a:p>
             <a:fld id="{C8239D06-A124-415A-BDD1-3EA8F2C5CFB9}" type="datetimeFigureOut">
               <a:rPr lang="en-GB" smtClean="0"/>
-              <a:t>03/06/2014</a:t>
+              <a:t>15/02/2015</a:t>
             </a:fld>
             <a:endParaRPr lang="en-GB"/>
           </a:p>
@@ -2507,7 +2507,7 @@
           <a:p>
             <a:fld id="{C8239D06-A124-415A-BDD1-3EA8F2C5CFB9}" type="datetimeFigureOut">
               <a:rPr lang="en-GB" smtClean="0"/>
-              <a:t>03/06/2014</a:t>
+              <a:t>15/02/2015</a:t>
             </a:fld>
             <a:endParaRPr lang="en-GB"/>
           </a:p>
@@ -2720,7 +2720,7 @@
           <a:p>
             <a:fld id="{C8239D06-A124-415A-BDD1-3EA8F2C5CFB9}" type="datetimeFigureOut">
               <a:rPr lang="en-GB" smtClean="0"/>
-              <a:t>03/06/2014</a:t>
+              <a:t>15/02/2015</a:t>
             </a:fld>
             <a:endParaRPr lang="en-GB"/>
           </a:p>
@@ -4207,6 +4207,154 @@
           </a:extLst>
         </p:spPr>
       </p:pic>
+      <p:cxnSp>
+        <p:nvCxnSpPr>
+          <p:cNvPr id="4" name="Straight Arrow Connector 3"/>
+          <p:cNvCxnSpPr/>
+          <p:nvPr/>
+        </p:nvCxnSpPr>
+        <p:spPr>
+          <a:xfrm flipH="1" flipV="1">
+            <a:off x="7546441" y="1829933"/>
+            <a:ext cx="287836" cy="0"/>
+          </a:xfrm>
+          <a:prstGeom prst="straightConnector1">
+            <a:avLst/>
+          </a:prstGeom>
+          <a:ln w="28575">
+            <a:solidFill>
+              <a:schemeClr val="bg1"/>
+            </a:solidFill>
+            <a:headEnd type="none" w="med" len="med"/>
+            <a:tailEnd type="triangle" w="med" len="med"/>
+          </a:ln>
+        </p:spPr>
+        <p:style>
+          <a:lnRef idx="1">
+            <a:schemeClr val="accent1"/>
+          </a:lnRef>
+          <a:fillRef idx="0">
+            <a:schemeClr val="accent1"/>
+          </a:fillRef>
+          <a:effectRef idx="0">
+            <a:schemeClr val="accent1"/>
+          </a:effectRef>
+          <a:fontRef idx="minor">
+            <a:schemeClr val="tx1"/>
+          </a:fontRef>
+        </p:style>
+      </p:cxnSp>
+      <p:cxnSp>
+        <p:nvCxnSpPr>
+          <p:cNvPr id="34" name="Straight Arrow Connector 33"/>
+          <p:cNvCxnSpPr/>
+          <p:nvPr/>
+        </p:nvCxnSpPr>
+        <p:spPr>
+          <a:xfrm flipH="1" flipV="1">
+            <a:off x="7534566" y="4944554"/>
+            <a:ext cx="287836" cy="0"/>
+          </a:xfrm>
+          <a:prstGeom prst="straightConnector1">
+            <a:avLst/>
+          </a:prstGeom>
+          <a:ln w="28575">
+            <a:solidFill>
+              <a:schemeClr val="bg1"/>
+            </a:solidFill>
+            <a:headEnd type="none" w="med" len="med"/>
+            <a:tailEnd type="triangle" w="med" len="med"/>
+          </a:ln>
+        </p:spPr>
+        <p:style>
+          <a:lnRef idx="1">
+            <a:schemeClr val="accent1"/>
+          </a:lnRef>
+          <a:fillRef idx="0">
+            <a:schemeClr val="accent1"/>
+          </a:fillRef>
+          <a:effectRef idx="0">
+            <a:schemeClr val="accent1"/>
+          </a:effectRef>
+          <a:fontRef idx="minor">
+            <a:schemeClr val="tx1"/>
+          </a:fontRef>
+        </p:style>
+      </p:cxnSp>
+      <p:cxnSp>
+        <p:nvCxnSpPr>
+          <p:cNvPr id="33" name="Straight Arrow Connector 32"/>
+          <p:cNvCxnSpPr/>
+          <p:nvPr/>
+        </p:nvCxnSpPr>
+        <p:spPr>
+          <a:xfrm flipV="1">
+            <a:off x="6294654" y="1829933"/>
+            <a:ext cx="287836" cy="0"/>
+          </a:xfrm>
+          <a:prstGeom prst="straightConnector1">
+            <a:avLst/>
+          </a:prstGeom>
+          <a:ln w="28575">
+            <a:solidFill>
+              <a:schemeClr val="bg1"/>
+            </a:solidFill>
+            <a:headEnd type="none" w="med" len="med"/>
+            <a:tailEnd type="triangle" w="med" len="med"/>
+          </a:ln>
+        </p:spPr>
+        <p:style>
+          <a:lnRef idx="1">
+            <a:schemeClr val="accent1"/>
+          </a:lnRef>
+          <a:fillRef idx="0">
+            <a:schemeClr val="accent1"/>
+          </a:fillRef>
+          <a:effectRef idx="0">
+            <a:schemeClr val="accent1"/>
+          </a:effectRef>
+          <a:fontRef idx="minor">
+            <a:schemeClr val="tx1"/>
+          </a:fontRef>
+        </p:style>
+      </p:cxnSp>
+      <p:cxnSp>
+        <p:nvCxnSpPr>
+          <p:cNvPr id="35" name="Straight Arrow Connector 34"/>
+          <p:cNvCxnSpPr/>
+          <p:nvPr/>
+        </p:nvCxnSpPr>
+        <p:spPr>
+          <a:xfrm flipV="1">
+            <a:off x="6282779" y="4944554"/>
+            <a:ext cx="287836" cy="0"/>
+          </a:xfrm>
+          <a:prstGeom prst="straightConnector1">
+            <a:avLst/>
+          </a:prstGeom>
+          <a:ln w="28575">
+            <a:solidFill>
+              <a:schemeClr val="bg1"/>
+            </a:solidFill>
+            <a:headEnd type="none" w="med" len="med"/>
+            <a:tailEnd type="triangle" w="med" len="med"/>
+          </a:ln>
+        </p:spPr>
+        <p:style>
+          <a:lnRef idx="1">
+            <a:schemeClr val="accent1"/>
+          </a:lnRef>
+          <a:fillRef idx="0">
+            <a:schemeClr val="accent1"/>
+          </a:fillRef>
+          <a:effectRef idx="0">
+            <a:schemeClr val="accent1"/>
+          </a:effectRef>
+          <a:fontRef idx="minor">
+            <a:schemeClr val="tx1"/>
+          </a:fontRef>
+        </p:style>
+      </p:cxnSp>
     </p:spTree>
     <p:extLst>
       <p:ext uri="{BB962C8B-B14F-4D97-AF65-F5344CB8AC3E}">

--- a/Chapter7/Figures/Fig18.pptx
+++ b/Chapter7/Figures/Fig18.pptx
@@ -136,8 +136,8 @@
         </p:nvSpPr>
         <p:spPr>
           <a:xfrm>
-            <a:off x="648060" y="3131537"/>
-            <a:ext cx="7344647" cy="2160801"/>
+            <a:off x="648064" y="3131537"/>
+            <a:ext cx="7344647" cy="2160802"/>
           </a:xfrm>
         </p:spPr>
         <p:txBody>
@@ -164,8 +164,8 @@
         </p:nvSpPr>
         <p:spPr>
           <a:xfrm>
-            <a:off x="1296115" y="5712354"/>
-            <a:ext cx="6048536" cy="2576160"/>
+            <a:off x="1296115" y="5712355"/>
+            <a:ext cx="6048536" cy="2576159"/>
           </a:xfrm>
         </p:spPr>
         <p:txBody>
@@ -288,7 +288,7 @@
           <a:p>
             <a:fld id="{C8239D06-A124-415A-BDD1-3EA8F2C5CFB9}" type="datetimeFigureOut">
               <a:rPr lang="en-GB" smtClean="0"/>
-              <a:t>15/02/2015</a:t>
+              <a:t>28/03/2015</a:t>
             </a:fld>
             <a:endParaRPr lang="en-GB"/>
           </a:p>
@@ -458,7 +458,7 @@
           <a:p>
             <a:fld id="{C8239D06-A124-415A-BDD1-3EA8F2C5CFB9}" type="datetimeFigureOut">
               <a:rPr lang="en-GB" smtClean="0"/>
-              <a:t>15/02/2015</a:t>
+              <a:t>28/03/2015</a:t>
             </a:fld>
             <a:endParaRPr lang="en-GB"/>
           </a:p>
@@ -548,7 +548,7 @@
         </p:nvSpPr>
         <p:spPr>
           <a:xfrm>
-            <a:off x="6264555" y="403694"/>
+            <a:off x="6264555" y="403695"/>
             <a:ext cx="1944172" cy="8601200"/>
           </a:xfrm>
         </p:spPr>
@@ -576,7 +576,7 @@
         </p:nvSpPr>
         <p:spPr>
           <a:xfrm>
-            <a:off x="432041" y="403694"/>
+            <a:off x="432041" y="403695"/>
             <a:ext cx="5688502" cy="8601200"/>
           </a:xfrm>
         </p:spPr>
@@ -638,7 +638,7 @@
           <a:p>
             <a:fld id="{C8239D06-A124-415A-BDD1-3EA8F2C5CFB9}" type="datetimeFigureOut">
               <a:rPr lang="en-GB" smtClean="0"/>
-              <a:t>15/02/2015</a:t>
+              <a:t>28/03/2015</a:t>
             </a:fld>
             <a:endParaRPr lang="en-GB"/>
           </a:p>
@@ -808,7 +808,7 @@
           <a:p>
             <a:fld id="{C8239D06-A124-415A-BDD1-3EA8F2C5CFB9}" type="datetimeFigureOut">
               <a:rPr lang="en-GB" smtClean="0"/>
-              <a:t>15/02/2015</a:t>
+              <a:t>28/03/2015</a:t>
             </a:fld>
             <a:endParaRPr lang="en-GB"/>
           </a:p>
@@ -898,7 +898,7 @@
         </p:nvSpPr>
         <p:spPr>
           <a:xfrm>
-            <a:off x="682562" y="6477737"/>
+            <a:off x="682566" y="6477737"/>
             <a:ext cx="7344647" cy="2002124"/>
           </a:xfrm>
         </p:spPr>
@@ -930,8 +930,8 @@
         </p:nvSpPr>
         <p:spPr>
           <a:xfrm>
-            <a:off x="682562" y="4272600"/>
-            <a:ext cx="7344647" cy="2205136"/>
+            <a:off x="682566" y="4272601"/>
+            <a:ext cx="7344647" cy="2205137"/>
           </a:xfrm>
         </p:spPr>
         <p:txBody>
@@ -1054,7 +1054,7 @@
           <a:p>
             <a:fld id="{C8239D06-A124-415A-BDD1-3EA8F2C5CFB9}" type="datetimeFigureOut">
               <a:rPr lang="en-GB" smtClean="0"/>
-              <a:t>15/02/2015</a:t>
+              <a:t>28/03/2015</a:t>
             </a:fld>
             <a:endParaRPr lang="en-GB"/>
           </a:p>
@@ -1167,7 +1167,7 @@
         </p:nvSpPr>
         <p:spPr>
           <a:xfrm>
-            <a:off x="432040" y="2352147"/>
+            <a:off x="432040" y="2352148"/>
             <a:ext cx="3816337" cy="6652746"/>
           </a:xfrm>
         </p:spPr>
@@ -1252,7 +1252,7 @@
         </p:nvSpPr>
         <p:spPr>
           <a:xfrm>
-            <a:off x="4392391" y="2352147"/>
+            <a:off x="4392395" y="2352148"/>
             <a:ext cx="3816337" cy="6652746"/>
           </a:xfrm>
         </p:spPr>
@@ -1342,7 +1342,7 @@
           <a:p>
             <a:fld id="{C8239D06-A124-415A-BDD1-3EA8F2C5CFB9}" type="datetimeFigureOut">
               <a:rPr lang="en-GB" smtClean="0"/>
-              <a:t>15/02/2015</a:t>
+              <a:t>28/03/2015</a:t>
             </a:fld>
             <a:endParaRPr lang="en-GB"/>
           </a:p>
@@ -1459,8 +1459,8 @@
         </p:nvSpPr>
         <p:spPr>
           <a:xfrm>
-            <a:off x="432041" y="2256483"/>
-            <a:ext cx="3817838" cy="940391"/>
+            <a:off x="432041" y="2256485"/>
+            <a:ext cx="3817838" cy="940390"/>
           </a:xfrm>
         </p:spPr>
         <p:txBody>
@@ -1609,8 +1609,8 @@
         </p:nvSpPr>
         <p:spPr>
           <a:xfrm>
-            <a:off x="4389393" y="2256483"/>
-            <a:ext cx="3819337" cy="940391"/>
+            <a:off x="4389397" y="2256485"/>
+            <a:ext cx="3819337" cy="940390"/>
           </a:xfrm>
         </p:spPr>
         <p:txBody>
@@ -1674,7 +1674,7 @@
         </p:nvSpPr>
         <p:spPr>
           <a:xfrm>
-            <a:off x="4389393" y="3196865"/>
+            <a:off x="4389397" y="3196865"/>
             <a:ext cx="3819337" cy="5808028"/>
           </a:xfrm>
         </p:spPr>
@@ -1764,7 +1764,7 @@
           <a:p>
             <a:fld id="{C8239D06-A124-415A-BDD1-3EA8F2C5CFB9}" type="datetimeFigureOut">
               <a:rPr lang="en-GB" smtClean="0"/>
-              <a:t>15/02/2015</a:t>
+              <a:t>28/03/2015</a:t>
             </a:fld>
             <a:endParaRPr lang="en-GB"/>
           </a:p>
@@ -1882,7 +1882,7 @@
           <a:p>
             <a:fld id="{C8239D06-A124-415A-BDD1-3EA8F2C5CFB9}" type="datetimeFigureOut">
               <a:rPr lang="en-GB" smtClean="0"/>
-              <a:t>15/02/2015</a:t>
+              <a:t>28/03/2015</a:t>
             </a:fld>
             <a:endParaRPr lang="en-GB"/>
           </a:p>
@@ -1977,7 +1977,7 @@
           <a:p>
             <a:fld id="{C8239D06-A124-415A-BDD1-3EA8F2C5CFB9}" type="datetimeFigureOut">
               <a:rPr lang="en-GB" smtClean="0"/>
-              <a:t>15/02/2015</a:t>
+              <a:t>28/03/2015</a:t>
             </a:fld>
             <a:endParaRPr lang="en-GB"/>
           </a:p>
@@ -2067,8 +2067,8 @@
         </p:nvSpPr>
         <p:spPr>
           <a:xfrm>
-            <a:off x="432042" y="401359"/>
-            <a:ext cx="2842751" cy="1708106"/>
+            <a:off x="432046" y="401360"/>
+            <a:ext cx="2842751" cy="1708107"/>
           </a:xfrm>
         </p:spPr>
         <p:txBody>
@@ -2099,7 +2099,7 @@
         </p:nvSpPr>
         <p:spPr>
           <a:xfrm>
-            <a:off x="3378301" y="401368"/>
+            <a:off x="3378301" y="401369"/>
             <a:ext cx="4830426" cy="8603535"/>
           </a:xfrm>
         </p:spPr>
@@ -2184,7 +2184,7 @@
         </p:nvSpPr>
         <p:spPr>
           <a:xfrm>
-            <a:off x="432042" y="2109465"/>
+            <a:off x="432046" y="2109464"/>
             <a:ext cx="2842751" cy="6895428"/>
           </a:xfrm>
         </p:spPr>
@@ -2254,7 +2254,7 @@
           <a:p>
             <a:fld id="{C8239D06-A124-415A-BDD1-3EA8F2C5CFB9}" type="datetimeFigureOut">
               <a:rPr lang="en-GB" smtClean="0"/>
-              <a:t>15/02/2015</a:t>
+              <a:t>28/03/2015</a:t>
             </a:fld>
             <a:endParaRPr lang="en-GB"/>
           </a:p>
@@ -2344,7 +2344,7 @@
         </p:nvSpPr>
         <p:spPr>
           <a:xfrm>
-            <a:off x="1693651" y="7056440"/>
+            <a:off x="1693651" y="7056442"/>
             <a:ext cx="5184458" cy="833053"/>
           </a:xfrm>
         </p:spPr>
@@ -2376,7 +2376,7 @@
         </p:nvSpPr>
         <p:spPr>
           <a:xfrm>
-            <a:off x="1693651" y="900731"/>
+            <a:off x="1693651" y="900732"/>
             <a:ext cx="5184458" cy="6048375"/>
           </a:xfrm>
         </p:spPr>
@@ -2438,7 +2438,7 @@
         <p:spPr>
           <a:xfrm>
             <a:off x="1693651" y="7889490"/>
-            <a:ext cx="5184458" cy="1183072"/>
+            <a:ext cx="5184458" cy="1183073"/>
           </a:xfrm>
         </p:spPr>
         <p:txBody>
@@ -2507,7 +2507,7 @@
           <a:p>
             <a:fld id="{C8239D06-A124-415A-BDD1-3EA8F2C5CFB9}" type="datetimeFigureOut">
               <a:rPr lang="en-GB" smtClean="0"/>
-              <a:t>15/02/2015</a:t>
+              <a:t>28/03/2015</a:t>
             </a:fld>
             <a:endParaRPr lang="en-GB"/>
           </a:p>
@@ -2602,7 +2602,7 @@
         </p:nvSpPr>
         <p:spPr>
           <a:xfrm>
-            <a:off x="432039" y="403701"/>
+            <a:off x="432043" y="403702"/>
             <a:ext cx="7776687" cy="1680105"/>
           </a:xfrm>
           <a:prstGeom prst="rect">
@@ -2635,7 +2635,7 @@
         </p:nvSpPr>
         <p:spPr>
           <a:xfrm>
-            <a:off x="432039" y="2352147"/>
+            <a:off x="432043" y="2352148"/>
             <a:ext cx="7776687" cy="6652746"/>
           </a:xfrm>
           <a:prstGeom prst="rect">
@@ -2720,7 +2720,7 @@
           <a:p>
             <a:fld id="{C8239D06-A124-415A-BDD1-3EA8F2C5CFB9}" type="datetimeFigureOut">
               <a:rPr lang="en-GB" smtClean="0"/>
-              <a:t>15/02/2015</a:t>
+              <a:t>28/03/2015</a:t>
             </a:fld>
             <a:endParaRPr lang="en-GB"/>
           </a:p>
@@ -2738,7 +2738,7 @@
         </p:nvSpPr>
         <p:spPr>
           <a:xfrm>
-            <a:off x="2952262" y="9343248"/>
+            <a:off x="2952266" y="9343248"/>
             <a:ext cx="2736241" cy="536700"/>
           </a:xfrm>
           <a:prstGeom prst="rect">
@@ -3097,7 +3097,7 @@
       </p:grpSpPr>
       <p:pic>
         <p:nvPicPr>
-          <p:cNvPr id="2" name="Picture 2" descr="C:\Users\Wendy\Documents\wwn20\Documents\Grating_PRL\Figures_v2\417_CHPI_Ag_OscFit.png"/>
+          <p:cNvPr id="135" name="Picture 2" descr="C:\Users\Wendy\Documents\wwn20\Documents\Grating_PRL\Figures_v2\417_CHPI_Ag_OscFit.png"/>
           <p:cNvPicPr>
             <a:picLocks noChangeAspect="1" noChangeArrowheads="1"/>
           </p:cNvPicPr>
@@ -3118,7 +3118,7 @@
         </p:blipFill>
         <p:spPr bwMode="auto">
           <a:xfrm>
-            <a:off x="369390" y="1007864"/>
+            <a:off x="369390" y="1019898"/>
             <a:ext cx="5267325" cy="4629150"/>
           </a:xfrm>
           <a:prstGeom prst="rect">
@@ -3138,7 +3138,7 @@
       </p:pic>
       <p:pic>
         <p:nvPicPr>
-          <p:cNvPr id="1043" name="Picture 19" descr="C:\Users\Wendy\Documents\wwn20\Documents\Grating_PRL\Figures_v2\417_CHPI+Ag_TM_outPlane.png"/>
+          <p:cNvPr id="136" name="Picture 19" descr="C:\Users\Wendy\Documents\wwn20\Documents\Grating_PRL\Figures_v2\417_CHPI+Ag_TM_outPlane.png"/>
           <p:cNvPicPr>
             <a:picLocks noChangeAspect="1" noChangeArrowheads="1"/>
           </p:cNvPicPr>
@@ -3159,7 +3159,7 @@
         </p:blipFill>
         <p:spPr bwMode="auto">
           <a:xfrm>
-            <a:off x="3403120" y="6144822"/>
+            <a:off x="3403120" y="6156856"/>
             <a:ext cx="4356427" cy="3780000"/>
           </a:xfrm>
           <a:prstGeom prst="rect">
@@ -3179,7 +3179,7 @@
       </p:pic>
       <p:pic>
         <p:nvPicPr>
-          <p:cNvPr id="175" name="Picture 17" descr="C:\Users\Wendy\Documents\wwn20\Documents\Grating_PRL\Figures_v2\417_CHPI+Ag_TM_inPlane.png"/>
+          <p:cNvPr id="137" name="Picture 17" descr="C:\Users\Wendy\Documents\wwn20\Documents\Grating_PRL\Figures_v2\417_CHPI+Ag_TM_inPlane.png"/>
           <p:cNvPicPr>
             <a:picLocks noChangeAspect="1" noChangeArrowheads="1"/>
           </p:cNvPicPr>
@@ -3198,7 +3198,7 @@
         </p:blipFill>
         <p:spPr bwMode="auto">
           <a:xfrm>
-            <a:off x="40915" y="6134189"/>
+            <a:off x="40915" y="6146223"/>
             <a:ext cx="4102460" cy="3780000"/>
           </a:xfrm>
           <a:prstGeom prst="rect">
@@ -3218,7 +3218,7 @@
       </p:pic>
       <p:pic>
         <p:nvPicPr>
-          <p:cNvPr id="177" name="Picture 4" descr="C:\Users\Wendy\Documents\wwn20\Documents\Grating_PRL\Figures_v2\data_for_cambridge\efield_pos4.png"/>
+          <p:cNvPr id="138" name="Picture 4" descr="C:\Users\Wendy\Documents\wwn20\Documents\Grating_PRL\Figures_v2\data_for_cambridge\efield_pos4.png"/>
           <p:cNvPicPr>
             <a:picLocks noChangeAspect="1" noChangeArrowheads="1"/>
           </p:cNvPicPr>
@@ -3237,7 +3237,7 @@
         </p:blipFill>
         <p:spPr bwMode="auto">
           <a:xfrm>
-            <a:off x="5976416" y="87400"/>
+            <a:off x="5976416" y="99434"/>
             <a:ext cx="2160000" cy="2936688"/>
           </a:xfrm>
           <a:prstGeom prst="rect">
@@ -3257,7 +3257,7 @@
       </p:pic>
       <p:pic>
         <p:nvPicPr>
-          <p:cNvPr id="178" name="Picture 5" descr="C:\Users\Wendy\Documents\wwn20\Documents\Grating_PRL\Figures_v2\data_for_cambridge\efield_pos2.png"/>
+          <p:cNvPr id="139" name="Picture 5" descr="C:\Users\Wendy\Documents\wwn20\Documents\Grating_PRL\Figures_v2\data_for_cambridge\efield_pos2.png"/>
           <p:cNvPicPr>
             <a:picLocks noChangeAspect="1" noChangeArrowheads="1"/>
           </p:cNvPicPr>
@@ -3276,7 +3276,7 @@
         </p:blipFill>
         <p:spPr bwMode="auto">
           <a:xfrm>
-            <a:off x="5976416" y="3197501"/>
+            <a:off x="5976416" y="3209535"/>
             <a:ext cx="2160000" cy="2936688"/>
           </a:xfrm>
           <a:prstGeom prst="rect">
@@ -3296,13 +3296,13 @@
       </p:pic>
       <p:sp>
         <p:nvSpPr>
-          <p:cNvPr id="179" name="TextBox 178"/>
+          <p:cNvPr id="140" name="TextBox 139"/>
           <p:cNvSpPr txBox="1"/>
           <p:nvPr/>
         </p:nvSpPr>
         <p:spPr>
           <a:xfrm>
-            <a:off x="-99" y="808970"/>
+            <a:off x="-99" y="821004"/>
             <a:ext cx="905747" cy="630942"/>
           </a:xfrm>
           <a:prstGeom prst="rect">
@@ -3326,13 +3326,13 @@
       </p:sp>
       <p:sp>
         <p:nvSpPr>
-          <p:cNvPr id="180" name="TextBox 179"/>
+          <p:cNvPr id="141" name="TextBox 140"/>
           <p:cNvSpPr txBox="1"/>
           <p:nvPr/>
         </p:nvSpPr>
         <p:spPr>
           <a:xfrm>
-            <a:off x="5976416" y="87400"/>
+            <a:off x="5976416" y="99434"/>
             <a:ext cx="720000" cy="648000"/>
           </a:xfrm>
           <a:prstGeom prst="rect">
@@ -3356,13 +3356,13 @@
       </p:sp>
       <p:sp>
         <p:nvSpPr>
-          <p:cNvPr id="181" name="TextBox 180"/>
+          <p:cNvPr id="142" name="TextBox 141"/>
           <p:cNvSpPr txBox="1"/>
           <p:nvPr/>
         </p:nvSpPr>
         <p:spPr>
           <a:xfrm>
-            <a:off x="5976416" y="3197501"/>
+            <a:off x="5976416" y="3209535"/>
             <a:ext cx="720000" cy="648000"/>
           </a:xfrm>
           <a:prstGeom prst="rect">
@@ -3386,13 +3386,13 @@
       </p:sp>
       <p:sp>
         <p:nvSpPr>
-          <p:cNvPr id="182" name="Oval 181"/>
+          <p:cNvPr id="143" name="Oval 142"/>
           <p:cNvSpPr/>
           <p:nvPr/>
         </p:nvSpPr>
         <p:spPr>
           <a:xfrm>
-            <a:off x="4395663" y="1853117"/>
+            <a:off x="4395663" y="1865151"/>
             <a:ext cx="108000" cy="108000"/>
           </a:xfrm>
           <a:prstGeom prst="ellipse">
@@ -3432,13 +3432,13 @@
       </p:sp>
       <p:sp>
         <p:nvSpPr>
-          <p:cNvPr id="183" name="Oval 182"/>
+          <p:cNvPr id="144" name="Oval 143"/>
           <p:cNvSpPr/>
           <p:nvPr/>
         </p:nvSpPr>
         <p:spPr>
           <a:xfrm>
-            <a:off x="3216750" y="3444356"/>
+            <a:off x="3216750" y="3456390"/>
             <a:ext cx="108000" cy="108000"/>
           </a:xfrm>
           <a:prstGeom prst="ellipse">
@@ -3478,15 +3478,15 @@
       </p:sp>
       <p:cxnSp>
         <p:nvCxnSpPr>
-          <p:cNvPr id="184" name="Straight Arrow Connector 183"/>
+          <p:cNvPr id="145" name="Straight Arrow Connector 144"/>
           <p:cNvCxnSpPr>
-            <a:stCxn id="182" idx="7"/>
+            <a:stCxn id="143" idx="7"/>
           </p:cNvCxnSpPr>
           <p:nvPr/>
         </p:nvCxnSpPr>
         <p:spPr>
           <a:xfrm flipV="1">
-            <a:off x="4487847" y="964515"/>
+            <a:off x="4487847" y="976549"/>
             <a:ext cx="1463055" cy="904418"/>
           </a:xfrm>
           <a:prstGeom prst="straightConnector1">
@@ -3516,15 +3516,15 @@
       </p:cxnSp>
       <p:cxnSp>
         <p:nvCxnSpPr>
-          <p:cNvPr id="185" name="Straight Arrow Connector 184"/>
+          <p:cNvPr id="146" name="Straight Arrow Connector 145"/>
           <p:cNvCxnSpPr>
-            <a:stCxn id="183" idx="6"/>
+            <a:stCxn id="144" idx="6"/>
           </p:cNvCxnSpPr>
           <p:nvPr/>
         </p:nvCxnSpPr>
         <p:spPr>
           <a:xfrm>
-            <a:off x="3324750" y="3498356"/>
+            <a:off x="3324750" y="3510390"/>
             <a:ext cx="2601195" cy="368411"/>
           </a:xfrm>
           <a:prstGeom prst="straightConnector1">
@@ -3554,13 +3554,13 @@
       </p:cxnSp>
       <p:sp>
         <p:nvSpPr>
-          <p:cNvPr id="187" name="Rectangle 186"/>
+          <p:cNvPr id="147" name="Rectangle 146"/>
           <p:cNvSpPr/>
           <p:nvPr/>
         </p:nvSpPr>
         <p:spPr>
           <a:xfrm>
-            <a:off x="2736205" y="9072760"/>
+            <a:off x="2736205" y="9084794"/>
             <a:ext cx="1080000" cy="36000"/>
           </a:xfrm>
           <a:prstGeom prst="rect">
@@ -3600,13 +3600,13 @@
       </p:sp>
       <p:grpSp>
         <p:nvGrpSpPr>
-          <p:cNvPr id="188" name="Group 187"/>
+          <p:cNvPr id="148" name="Group 147"/>
           <p:cNvGrpSpPr/>
           <p:nvPr/>
         </p:nvGrpSpPr>
         <p:grpSpPr>
           <a:xfrm>
-            <a:off x="2873203" y="8600602"/>
+            <a:off x="2873203" y="8612636"/>
             <a:ext cx="727098" cy="477054"/>
             <a:chOff x="5954545" y="4157032"/>
             <a:chExt cx="727098" cy="477054"/>
@@ -3614,7 +3614,7 @@
         </p:grpSpPr>
         <p:sp>
           <p:nvSpPr>
-            <p:cNvPr id="189" name="Oval 188"/>
+            <p:cNvPr id="149" name="Oval 148"/>
             <p:cNvSpPr/>
             <p:nvPr/>
           </p:nvSpPr>
@@ -3664,7 +3664,7 @@
         </p:sp>
         <p:sp>
           <p:nvSpPr>
-            <p:cNvPr id="190" name="Oval 189"/>
+            <p:cNvPr id="150" name="Oval 149"/>
             <p:cNvSpPr/>
             <p:nvPr/>
           </p:nvSpPr>
@@ -3712,7 +3712,7 @@
         </p:sp>
         <p:sp>
           <p:nvSpPr>
-            <p:cNvPr id="191" name="Oval 190"/>
+            <p:cNvPr id="151" name="Oval 150"/>
             <p:cNvSpPr/>
             <p:nvPr/>
           </p:nvSpPr>
@@ -3760,7 +3760,7 @@
         </p:sp>
         <p:sp>
           <p:nvSpPr>
-            <p:cNvPr id="192" name="TextBox 191"/>
+            <p:cNvPr id="152" name="TextBox 151"/>
             <p:cNvSpPr txBox="1"/>
             <p:nvPr/>
           </p:nvSpPr>
@@ -3798,7 +3798,7 @@
         </p:sp>
         <p:sp>
           <p:nvSpPr>
-            <p:cNvPr id="193" name="TextBox 192"/>
+            <p:cNvPr id="153" name="TextBox 152"/>
             <p:cNvSpPr txBox="1"/>
             <p:nvPr/>
           </p:nvSpPr>
@@ -3832,13 +3832,13 @@
       </p:grpSp>
       <p:sp>
         <p:nvSpPr>
-          <p:cNvPr id="195" name="Rectangle 194"/>
+          <p:cNvPr id="154" name="Rectangle 153"/>
           <p:cNvSpPr/>
           <p:nvPr/>
         </p:nvSpPr>
         <p:spPr>
           <a:xfrm>
-            <a:off x="6099435" y="9072760"/>
+            <a:off x="6099435" y="9084794"/>
             <a:ext cx="1080000" cy="36000"/>
           </a:xfrm>
           <a:prstGeom prst="rect">
@@ -3878,13 +3878,13 @@
       </p:sp>
       <p:grpSp>
         <p:nvGrpSpPr>
-          <p:cNvPr id="196" name="Group 195"/>
+          <p:cNvPr id="155" name="Group 154"/>
           <p:cNvGrpSpPr/>
           <p:nvPr/>
         </p:nvGrpSpPr>
         <p:grpSpPr>
           <a:xfrm rot="5400000">
-            <a:off x="6225482" y="8583428"/>
+            <a:off x="6225482" y="8595462"/>
             <a:ext cx="903826" cy="369332"/>
             <a:chOff x="5952062" y="4229918"/>
             <a:chExt cx="903826" cy="369332"/>
@@ -3892,7 +3892,7 @@
         </p:grpSpPr>
         <p:sp>
           <p:nvSpPr>
-            <p:cNvPr id="197" name="Oval 196"/>
+            <p:cNvPr id="156" name="Oval 155"/>
             <p:cNvSpPr/>
             <p:nvPr/>
           </p:nvSpPr>
@@ -3942,7 +3942,7 @@
         </p:sp>
         <p:sp>
           <p:nvSpPr>
-            <p:cNvPr id="198" name="Oval 197"/>
+            <p:cNvPr id="157" name="Oval 156"/>
             <p:cNvSpPr/>
             <p:nvPr/>
           </p:nvSpPr>
@@ -3990,7 +3990,7 @@
         </p:sp>
         <p:sp>
           <p:nvSpPr>
-            <p:cNvPr id="199" name="Oval 198"/>
+            <p:cNvPr id="158" name="Oval 157"/>
             <p:cNvSpPr/>
             <p:nvPr/>
           </p:nvSpPr>
@@ -4038,7 +4038,7 @@
         </p:sp>
         <p:sp>
           <p:nvSpPr>
-            <p:cNvPr id="200" name="TextBox 199"/>
+            <p:cNvPr id="159" name="TextBox 158"/>
             <p:cNvSpPr txBox="1"/>
             <p:nvPr/>
           </p:nvSpPr>
@@ -4076,7 +4076,7 @@
         </p:sp>
         <p:sp>
           <p:nvSpPr>
-            <p:cNvPr id="201" name="TextBox 200"/>
+            <p:cNvPr id="160" name="TextBox 159"/>
             <p:cNvSpPr txBox="1"/>
             <p:nvPr/>
           </p:nvSpPr>
@@ -4110,13 +4110,13 @@
       </p:grpSp>
       <p:sp>
         <p:nvSpPr>
-          <p:cNvPr id="203" name="TextBox 202"/>
+          <p:cNvPr id="161" name="TextBox 160"/>
           <p:cNvSpPr txBox="1"/>
           <p:nvPr/>
         </p:nvSpPr>
         <p:spPr>
           <a:xfrm>
-            <a:off x="791989" y="6301589"/>
+            <a:off x="791989" y="6313623"/>
             <a:ext cx="905747" cy="630942"/>
           </a:xfrm>
           <a:prstGeom prst="rect">
@@ -4140,13 +4140,13 @@
       </p:sp>
       <p:sp>
         <p:nvSpPr>
-          <p:cNvPr id="204" name="TextBox 203"/>
+          <p:cNvPr id="162" name="TextBox 161"/>
           <p:cNvSpPr txBox="1"/>
           <p:nvPr/>
         </p:nvSpPr>
         <p:spPr>
           <a:xfrm>
-            <a:off x="4164490" y="6301589"/>
+            <a:off x="4164490" y="6313623"/>
             <a:ext cx="905747" cy="630942"/>
           </a:xfrm>
           <a:prstGeom prst="rect">
@@ -4170,7 +4170,7 @@
       </p:sp>
       <p:pic>
         <p:nvPicPr>
-          <p:cNvPr id="1026" name="Picture 2" descr="C:\Users\Wendy\Documents\wwn20\Documents\Grating_PRL\Figures_v2\data_for_cambridge\Scale.png"/>
+          <p:cNvPr id="163" name="Picture 2" descr="C:\Users\Wendy\Documents\wwn20\Documents\Grating_PRL\Figures_v2\data_for_cambridge\Scale.png"/>
           <p:cNvPicPr>
             <a:picLocks noChangeAspect="1" noChangeArrowheads="1"/>
           </p:cNvPicPr>
@@ -4189,7 +4189,7 @@
         </p:blipFill>
         <p:spPr bwMode="auto">
           <a:xfrm>
-            <a:off x="7315200" y="7128432"/>
+            <a:off x="7315200" y="7140466"/>
             <a:ext cx="1305391" cy="1791513"/>
           </a:xfrm>
           <a:prstGeom prst="rect">
@@ -4209,13 +4209,13 @@
       </p:pic>
       <p:cxnSp>
         <p:nvCxnSpPr>
-          <p:cNvPr id="4" name="Straight Arrow Connector 3"/>
+          <p:cNvPr id="164" name="Straight Arrow Connector 163"/>
           <p:cNvCxnSpPr/>
           <p:nvPr/>
         </p:nvCxnSpPr>
         <p:spPr>
           <a:xfrm flipH="1" flipV="1">
-            <a:off x="7546441" y="1829933"/>
+            <a:off x="7546441" y="1841967"/>
             <a:ext cx="287836" cy="0"/>
           </a:xfrm>
           <a:prstGeom prst="straightConnector1">
@@ -4246,13 +4246,13 @@
       </p:cxnSp>
       <p:cxnSp>
         <p:nvCxnSpPr>
-          <p:cNvPr id="34" name="Straight Arrow Connector 33"/>
+          <p:cNvPr id="165" name="Straight Arrow Connector 164"/>
           <p:cNvCxnSpPr/>
           <p:nvPr/>
         </p:nvCxnSpPr>
         <p:spPr>
           <a:xfrm flipH="1" flipV="1">
-            <a:off x="7534566" y="4944554"/>
+            <a:off x="7534566" y="4956588"/>
             <a:ext cx="287836" cy="0"/>
           </a:xfrm>
           <a:prstGeom prst="straightConnector1">
@@ -4283,13 +4283,13 @@
       </p:cxnSp>
       <p:cxnSp>
         <p:nvCxnSpPr>
-          <p:cNvPr id="33" name="Straight Arrow Connector 32"/>
+          <p:cNvPr id="166" name="Straight Arrow Connector 165"/>
           <p:cNvCxnSpPr/>
           <p:nvPr/>
         </p:nvCxnSpPr>
         <p:spPr>
           <a:xfrm flipV="1">
-            <a:off x="6294654" y="1829933"/>
+            <a:off x="6294654" y="1841967"/>
             <a:ext cx="287836" cy="0"/>
           </a:xfrm>
           <a:prstGeom prst="straightConnector1">
@@ -4320,13 +4320,13 @@
       </p:cxnSp>
       <p:cxnSp>
         <p:nvCxnSpPr>
-          <p:cNvPr id="35" name="Straight Arrow Connector 34"/>
+          <p:cNvPr id="167" name="Straight Arrow Connector 166"/>
           <p:cNvCxnSpPr/>
           <p:nvPr/>
         </p:nvCxnSpPr>
         <p:spPr>
           <a:xfrm flipV="1">
-            <a:off x="6282779" y="4944554"/>
+            <a:off x="6282779" y="4956588"/>
             <a:ext cx="287836" cy="0"/>
           </a:xfrm>
           <a:prstGeom prst="straightConnector1">
